--- a/iOS行動程式基礎開發上架20堂課/第7堂使用swift建立第一個App/swift-結構和類別.pptx
+++ b/iOS行動程式基礎開發上架20堂課/第7堂使用swift建立第一個App/swift-結構和類別.pptx
@@ -32850,7 +32850,7 @@
         <p:spPr>
           <a:xfrm>
             <a:off x="917166" y="1306830"/>
-            <a:ext cx="5997679" cy="713741"/>
+            <a:ext cx="5488723" cy="941465"/>
           </a:xfrm>
           <a:prstGeom prst="rect">
             <a:avLst/>
@@ -32870,9 +32870,9 @@
           </a:bodyPr>
           <a:lstStyle/>
           <a:p>
-            <a:pPr marL="457200" indent="-317500" defTabSz="457200">
+            <a:pPr marL="527755" indent="-388055" defTabSz="457200">
               <a:lnSpc>
-                <a:spcPts val="2300"/>
+                <a:spcPts val="1700"/>
               </a:lnSpc>
               <a:spcBef>
                 <a:spcPts val="0"/>
@@ -32883,14 +32883,14 @@
               <a:buSzPct val="100000"/>
               <a:buFont typeface="Menlo"/>
               <a:buChar char="•"/>
-              <a:defRPr b="0" sz="900">
-                <a:solidFill>
-                  <a:srgbClr val="3F6E74"/>
-                </a:solidFill>
-                <a:latin typeface="Menlo"/>
-                <a:ea typeface="Menlo"/>
-                <a:cs typeface="Menlo"/>
-                <a:sym typeface="Menlo"/>
+              <a:defRPr b="0" sz="1100">
+                <a:solidFill>
+                  <a:srgbClr val="5C2699"/>
+                </a:solidFill>
+                <a:latin typeface="Arial"/>
+                <a:ea typeface="Arial"/>
+                <a:cs typeface="Arial"/>
+                <a:sym typeface="Arial"/>
               </a:defRPr>
             </a:pPr>
             <a:r>
@@ -32938,9 +32938,9 @@
             </a:endParaRPr>
           </a:p>
           <a:p>
-            <a:pPr marL="457200" indent="-317500" defTabSz="457200">
+            <a:pPr marL="527755" indent="-388055" defTabSz="457200">
               <a:lnSpc>
-                <a:spcPts val="2300"/>
+                <a:spcPts val="1700"/>
               </a:lnSpc>
               <a:spcBef>
                 <a:spcPts val="0"/>
@@ -32951,14 +32951,14 @@
               <a:buSzPct val="100000"/>
               <a:buFont typeface="Menlo"/>
               <a:buChar char="•"/>
-              <a:defRPr b="0" sz="900">
-                <a:solidFill>
-                  <a:srgbClr val="C41A16"/>
-                </a:solidFill>
-                <a:latin typeface="Menlo"/>
-                <a:ea typeface="Menlo"/>
-                <a:cs typeface="Menlo"/>
-                <a:sym typeface="Menlo"/>
+              <a:defRPr b="0" sz="1100">
+                <a:solidFill>
+                  <a:srgbClr val="5C2699"/>
+                </a:solidFill>
+                <a:latin typeface="Arial"/>
+                <a:ea typeface="Arial"/>
+                <a:cs typeface="Arial"/>
+                <a:sym typeface="Arial"/>
               </a:defRPr>
             </a:pPr>
             <a:r>
@@ -33003,9 +33003,9 @@
             </a:endParaRPr>
           </a:p>
           <a:p>
-            <a:pPr marL="457200" indent="-317500" defTabSz="457200">
+            <a:pPr marL="527755" indent="-388055" defTabSz="457200">
               <a:lnSpc>
-                <a:spcPts val="2300"/>
+                <a:spcPts val="1700"/>
               </a:lnSpc>
               <a:spcBef>
                 <a:spcPts val="0"/>
@@ -33016,14 +33016,14 @@
               <a:buSzPct val="100000"/>
               <a:buFont typeface="Menlo"/>
               <a:buChar char="•"/>
-              <a:defRPr b="0" sz="900">
-                <a:solidFill>
-                  <a:srgbClr val="333333"/>
-                </a:solidFill>
-                <a:latin typeface="Menlo"/>
-                <a:ea typeface="Menlo"/>
-                <a:cs typeface="Menlo"/>
-                <a:sym typeface="Menlo"/>
+              <a:defRPr b="0" sz="1100">
+                <a:solidFill>
+                  <a:srgbClr val="5C2699"/>
+                </a:solidFill>
+                <a:latin typeface="Arial"/>
+                <a:ea typeface="Arial"/>
+                <a:cs typeface="Arial"/>
+                <a:sym typeface="Arial"/>
               </a:defRPr>
             </a:pPr>
             <a:r>
@@ -33031,9 +33031,9 @@
             </a:r>
           </a:p>
           <a:p>
-            <a:pPr marL="457200" indent="-317500" defTabSz="457200">
+            <a:pPr marL="527755" indent="-388055" defTabSz="457200">
               <a:lnSpc>
-                <a:spcPts val="2300"/>
+                <a:spcPts val="1700"/>
               </a:lnSpc>
               <a:spcBef>
                 <a:spcPts val="0"/>
@@ -33044,14 +33044,14 @@
               <a:buSzPct val="100000"/>
               <a:buFont typeface="Menlo"/>
               <a:buChar char="•"/>
-              <a:defRPr b="0" sz="900">
-                <a:solidFill>
-                  <a:srgbClr val="007400"/>
-                </a:solidFill>
-                <a:latin typeface="Menlo"/>
-                <a:ea typeface="Menlo"/>
-                <a:cs typeface="Menlo"/>
-                <a:sym typeface="Menlo"/>
+              <a:defRPr b="0" sz="1100">
+                <a:solidFill>
+                  <a:srgbClr val="5C2699"/>
+                </a:solidFill>
+                <a:latin typeface="Arial"/>
+                <a:ea typeface="Arial"/>
+                <a:cs typeface="Arial"/>
+                <a:sym typeface="Arial"/>
               </a:defRPr>
             </a:pPr>
             <a:r>
@@ -33495,7 +33495,7 @@
         <p:spPr>
           <a:xfrm>
             <a:off x="576953" y="1101687"/>
-            <a:ext cx="3176288" cy="1043941"/>
+            <a:ext cx="2744041" cy="1373265"/>
           </a:xfrm>
           <a:prstGeom prst="rect">
             <a:avLst/>
@@ -33515,9 +33515,9 @@
           </a:bodyPr>
           <a:lstStyle/>
           <a:p>
-            <a:pPr marL="457200" indent="-317500" defTabSz="457200">
+            <a:pPr marL="527755" indent="-388055" defTabSz="457200">
               <a:lnSpc>
-                <a:spcPts val="2300"/>
+                <a:spcPts val="1700"/>
               </a:lnSpc>
               <a:spcBef>
                 <a:spcPts val="0"/>
@@ -33528,14 +33528,14 @@
               <a:buSzPct val="100000"/>
               <a:buFont typeface="Menlo"/>
               <a:buChar char="•"/>
-              <a:defRPr b="0" sz="900">
-                <a:solidFill>
-                  <a:srgbClr val="3F6E74"/>
-                </a:solidFill>
-                <a:latin typeface="Menlo"/>
-                <a:ea typeface="Menlo"/>
-                <a:cs typeface="Menlo"/>
-                <a:sym typeface="Menlo"/>
+              <a:defRPr b="0" sz="1100">
+                <a:solidFill>
+                  <a:srgbClr val="5C2699"/>
+                </a:solidFill>
+                <a:latin typeface="Arial"/>
+                <a:ea typeface="Arial"/>
+                <a:cs typeface="Arial"/>
+                <a:sym typeface="Arial"/>
               </a:defRPr>
             </a:pPr>
             <a:r>
@@ -33572,9 +33572,9 @@
             </a:endParaRPr>
           </a:p>
           <a:p>
-            <a:pPr marL="457200" indent="-317500" defTabSz="457200">
+            <a:pPr marL="527755" indent="-388055" defTabSz="457200">
               <a:lnSpc>
-                <a:spcPts val="2300"/>
+                <a:spcPts val="1700"/>
               </a:lnSpc>
               <a:spcBef>
                 <a:spcPts val="0"/>
@@ -33585,14 +33585,14 @@
               <a:buSzPct val="100000"/>
               <a:buFont typeface="Menlo"/>
               <a:buChar char="•"/>
-              <a:defRPr b="0" sz="900">
-                <a:solidFill>
-                  <a:srgbClr val="007400"/>
-                </a:solidFill>
-                <a:latin typeface="Menlo"/>
-                <a:ea typeface="Menlo"/>
-                <a:cs typeface="Menlo"/>
-                <a:sym typeface="Menlo"/>
+              <a:defRPr b="0" sz="1100">
+                <a:solidFill>
+                  <a:srgbClr val="5C2699"/>
+                </a:solidFill>
+                <a:latin typeface="Arial"/>
+                <a:ea typeface="Arial"/>
+                <a:cs typeface="Arial"/>
+                <a:sym typeface="Arial"/>
               </a:defRPr>
             </a:pPr>
             <a:r>
@@ -33613,9 +33613,9 @@
             </a:endParaRPr>
           </a:p>
           <a:p>
-            <a:pPr marL="457200" indent="-317500" defTabSz="457200">
+            <a:pPr marL="527755" indent="-388055" defTabSz="457200">
               <a:lnSpc>
-                <a:spcPts val="2300"/>
+                <a:spcPts val="1700"/>
               </a:lnSpc>
               <a:spcBef>
                 <a:spcPts val="0"/>
@@ -33626,14 +33626,14 @@
               <a:buSzPct val="100000"/>
               <a:buFont typeface="Menlo"/>
               <a:buChar char="•"/>
-              <a:defRPr b="0" sz="900">
-                <a:solidFill>
-                  <a:srgbClr val="333333"/>
-                </a:solidFill>
-                <a:latin typeface="Menlo"/>
-                <a:ea typeface="Menlo"/>
-                <a:cs typeface="Menlo"/>
-                <a:sym typeface="Menlo"/>
+              <a:defRPr b="0" sz="1100">
+                <a:solidFill>
+                  <a:srgbClr val="5C2699"/>
+                </a:solidFill>
+                <a:latin typeface="Arial"/>
+                <a:ea typeface="Arial"/>
+                <a:cs typeface="Arial"/>
+                <a:sym typeface="Arial"/>
               </a:defRPr>
             </a:pPr>
             <a:r>
@@ -33641,9 +33641,9 @@
             </a:r>
           </a:p>
           <a:p>
-            <a:pPr marL="457200" indent="-317500" defTabSz="457200">
+            <a:pPr marL="527755" indent="-388055" defTabSz="457200">
               <a:lnSpc>
-                <a:spcPts val="2300"/>
+                <a:spcPts val="1700"/>
               </a:lnSpc>
               <a:spcBef>
                 <a:spcPts val="0"/>
@@ -33654,14 +33654,14 @@
               <a:buSzPct val="100000"/>
               <a:buFont typeface="Menlo"/>
               <a:buChar char="•"/>
-              <a:defRPr b="0" sz="900">
-                <a:solidFill>
-                  <a:srgbClr val="3F6E74"/>
-                </a:solidFill>
-                <a:latin typeface="Menlo"/>
-                <a:ea typeface="Menlo"/>
-                <a:cs typeface="Menlo"/>
-                <a:sym typeface="Menlo"/>
+              <a:defRPr b="0" sz="1100">
+                <a:solidFill>
+                  <a:srgbClr val="5C2699"/>
+                </a:solidFill>
+                <a:latin typeface="Arial"/>
+                <a:ea typeface="Arial"/>
+                <a:cs typeface="Arial"/>
+                <a:sym typeface="Arial"/>
               </a:defRPr>
             </a:pPr>
             <a:r>
@@ -33698,9 +33698,9 @@
             </a:endParaRPr>
           </a:p>
           <a:p>
-            <a:pPr marL="457200" indent="-317500" defTabSz="457200">
+            <a:pPr marL="527755" indent="-388055" defTabSz="457200">
               <a:lnSpc>
-                <a:spcPts val="2300"/>
+                <a:spcPts val="1700"/>
               </a:lnSpc>
               <a:spcBef>
                 <a:spcPts val="0"/>
@@ -33711,14 +33711,14 @@
               <a:buSzPct val="100000"/>
               <a:buFont typeface="Menlo"/>
               <a:buChar char="•"/>
-              <a:defRPr b="0" sz="900">
-                <a:solidFill>
-                  <a:srgbClr val="007400"/>
-                </a:solidFill>
-                <a:latin typeface="Menlo"/>
-                <a:ea typeface="Menlo"/>
-                <a:cs typeface="Menlo"/>
-                <a:sym typeface="Menlo"/>
+              <a:defRPr b="0" sz="1100">
+                <a:solidFill>
+                  <a:srgbClr val="5C2699"/>
+                </a:solidFill>
+                <a:latin typeface="Arial"/>
+                <a:ea typeface="Arial"/>
+                <a:cs typeface="Arial"/>
+                <a:sym typeface="Arial"/>
               </a:defRPr>
             </a:pPr>
             <a:r>
@@ -33739,9 +33739,9 @@
             </a:endParaRPr>
           </a:p>
           <a:p>
-            <a:pPr marL="457200" indent="-317500" defTabSz="457200">
+            <a:pPr marL="527755" indent="-388055" defTabSz="457200">
               <a:lnSpc>
-                <a:spcPts val="2300"/>
+                <a:spcPts val="1700"/>
               </a:lnSpc>
               <a:spcBef>
                 <a:spcPts val="0"/>
@@ -33752,14 +33752,14 @@
               <a:buSzPct val="100000"/>
               <a:buFont typeface="Menlo"/>
               <a:buChar char="•"/>
-              <a:defRPr b="0" sz="900">
-                <a:solidFill>
-                  <a:srgbClr val="333333"/>
-                </a:solidFill>
-                <a:latin typeface="Menlo"/>
-                <a:ea typeface="Menlo"/>
-                <a:cs typeface="Menlo"/>
-                <a:sym typeface="Menlo"/>
+              <a:defRPr b="0" sz="1100">
+                <a:solidFill>
+                  <a:srgbClr val="5C2699"/>
+                </a:solidFill>
+                <a:latin typeface="Arial"/>
+                <a:ea typeface="Arial"/>
+                <a:cs typeface="Arial"/>
+                <a:sym typeface="Arial"/>
               </a:defRPr>
             </a:pPr>
             <a:r>
@@ -33777,7 +33777,7 @@
         <p:spPr>
           <a:xfrm>
             <a:off x="581630" y="2495504"/>
-            <a:ext cx="2901031" cy="1869441"/>
+            <a:ext cx="2576919" cy="2236865"/>
           </a:xfrm>
           <a:prstGeom prst="rect">
             <a:avLst/>
@@ -33797,9 +33797,9 @@
           </a:bodyPr>
           <a:lstStyle/>
           <a:p>
-            <a:pPr marL="457200" indent="-317500" defTabSz="457200">
+            <a:pPr marL="527755" indent="-388055" defTabSz="457200">
               <a:lnSpc>
-                <a:spcPts val="2300"/>
+                <a:spcPts val="1700"/>
               </a:lnSpc>
               <a:spcBef>
                 <a:spcPts val="0"/>
@@ -33810,14 +33810,14 @@
               <a:buSzPct val="100000"/>
               <a:buFont typeface="Menlo"/>
               <a:buChar char="•"/>
-              <a:defRPr b="0" sz="900">
-                <a:solidFill>
-                  <a:srgbClr val="3F6E74"/>
-                </a:solidFill>
-                <a:latin typeface="Menlo"/>
-                <a:ea typeface="Menlo"/>
-                <a:cs typeface="Menlo"/>
-                <a:sym typeface="Menlo"/>
+              <a:defRPr b="0" sz="1100">
+                <a:solidFill>
+                  <a:srgbClr val="5C2699"/>
+                </a:solidFill>
+                <a:latin typeface="Arial"/>
+                <a:ea typeface="Arial"/>
+                <a:cs typeface="Arial"/>
+                <a:sym typeface="Arial"/>
               </a:defRPr>
             </a:pPr>
             <a:r>
@@ -33854,9 +33854,9 @@
             </a:endParaRPr>
           </a:p>
           <a:p>
-            <a:pPr marL="457200" indent="-317500" defTabSz="457200">
+            <a:pPr marL="527755" indent="-388055" defTabSz="457200">
               <a:lnSpc>
-                <a:spcPts val="2300"/>
+                <a:spcPts val="1700"/>
               </a:lnSpc>
               <a:spcBef>
                 <a:spcPts val="0"/>
@@ -33867,14 +33867,14 @@
               <a:buSzPct val="100000"/>
               <a:buFont typeface="Menlo"/>
               <a:buChar char="•"/>
-              <a:defRPr b="0" sz="900">
-                <a:solidFill>
-                  <a:srgbClr val="333333"/>
-                </a:solidFill>
-                <a:latin typeface="Menlo"/>
-                <a:ea typeface="Menlo"/>
-                <a:cs typeface="Menlo"/>
-                <a:sym typeface="Menlo"/>
+              <a:defRPr b="0" sz="1100">
+                <a:solidFill>
+                  <a:srgbClr val="5C2699"/>
+                </a:solidFill>
+                <a:latin typeface="Arial"/>
+                <a:ea typeface="Arial"/>
+                <a:cs typeface="Arial"/>
+                <a:sym typeface="Arial"/>
               </a:defRPr>
             </a:pPr>
             <a:r>
@@ -33912,9 +33912,9 @@
             </a:r>
           </a:p>
           <a:p>
-            <a:pPr marL="457200" indent="-317500" defTabSz="457200">
+            <a:pPr marL="527755" indent="-388055" defTabSz="457200">
               <a:lnSpc>
-                <a:spcPts val="2300"/>
+                <a:spcPts val="1700"/>
               </a:lnSpc>
               <a:spcBef>
                 <a:spcPts val="0"/>
@@ -33925,14 +33925,14 @@
               <a:buSzPct val="100000"/>
               <a:buFont typeface="Menlo"/>
               <a:buChar char="•"/>
-              <a:defRPr b="0" sz="900">
-                <a:solidFill>
-                  <a:srgbClr val="333333"/>
-                </a:solidFill>
-                <a:latin typeface="Menlo"/>
-                <a:ea typeface="Menlo"/>
-                <a:cs typeface="Menlo"/>
-                <a:sym typeface="Menlo"/>
+              <a:defRPr b="0" sz="1100">
+                <a:solidFill>
+                  <a:srgbClr val="5C2699"/>
+                </a:solidFill>
+                <a:latin typeface="Arial"/>
+                <a:ea typeface="Arial"/>
+                <a:cs typeface="Arial"/>
+                <a:sym typeface="Arial"/>
               </a:defRPr>
             </a:pPr>
             <a:r>
@@ -33970,9 +33970,9 @@
             </a:r>
           </a:p>
           <a:p>
-            <a:pPr marL="457200" indent="-317500" defTabSz="457200">
+            <a:pPr marL="527755" indent="-388055" defTabSz="457200">
               <a:lnSpc>
-                <a:spcPts val="2300"/>
+                <a:spcPts val="1700"/>
               </a:lnSpc>
               <a:spcBef>
                 <a:spcPts val="0"/>
@@ -33983,14 +33983,14 @@
               <a:buSzPct val="100000"/>
               <a:buFont typeface="Menlo"/>
               <a:buChar char="•"/>
-              <a:defRPr b="0" sz="900">
-                <a:solidFill>
-                  <a:srgbClr val="333333"/>
-                </a:solidFill>
-                <a:latin typeface="Menlo"/>
-                <a:ea typeface="Menlo"/>
-                <a:cs typeface="Menlo"/>
-                <a:sym typeface="Menlo"/>
+              <a:defRPr b="0" sz="1100">
+                <a:solidFill>
+                  <a:srgbClr val="5C2699"/>
+                </a:solidFill>
+                <a:latin typeface="Arial"/>
+                <a:ea typeface="Arial"/>
+                <a:cs typeface="Arial"/>
+                <a:sym typeface="Arial"/>
               </a:defRPr>
             </a:pPr>
             <a:r>
@@ -33998,9 +33998,9 @@
             </a:r>
           </a:p>
           <a:p>
-            <a:pPr marL="457200" indent="-317500" defTabSz="457200">
+            <a:pPr marL="527755" indent="-388055" defTabSz="457200">
               <a:lnSpc>
-                <a:spcPts val="2300"/>
+                <a:spcPts val="1700"/>
               </a:lnSpc>
               <a:spcBef>
                 <a:spcPts val="0"/>
@@ -34011,14 +34011,14 @@
               <a:buSzPct val="100000"/>
               <a:buFont typeface="Menlo"/>
               <a:buChar char="•"/>
-              <a:defRPr b="0" sz="900">
-                <a:solidFill>
-                  <a:srgbClr val="3F6E74"/>
-                </a:solidFill>
-                <a:latin typeface="Menlo"/>
-                <a:ea typeface="Menlo"/>
-                <a:cs typeface="Menlo"/>
-                <a:sym typeface="Menlo"/>
+              <a:defRPr b="0" sz="1100">
+                <a:solidFill>
+                  <a:srgbClr val="5C2699"/>
+                </a:solidFill>
+                <a:latin typeface="Arial"/>
+                <a:ea typeface="Arial"/>
+                <a:cs typeface="Arial"/>
+                <a:sym typeface="Arial"/>
               </a:defRPr>
             </a:pPr>
             <a:r>
@@ -34055,9 +34055,9 @@
             </a:endParaRPr>
           </a:p>
           <a:p>
-            <a:pPr marL="457200" indent="-317500" defTabSz="457200">
+            <a:pPr marL="527755" indent="-388055" defTabSz="457200">
               <a:lnSpc>
-                <a:spcPts val="2300"/>
+                <a:spcPts val="1700"/>
               </a:lnSpc>
               <a:spcBef>
                 <a:spcPts val="0"/>
@@ -34068,14 +34068,14 @@
               <a:buSzPct val="100000"/>
               <a:buFont typeface="Menlo"/>
               <a:buChar char="•"/>
-              <a:defRPr b="0" sz="900">
-                <a:solidFill>
-                  <a:srgbClr val="3F6E74"/>
-                </a:solidFill>
-                <a:latin typeface="Menlo"/>
-                <a:ea typeface="Menlo"/>
-                <a:cs typeface="Menlo"/>
-                <a:sym typeface="Menlo"/>
+              <a:defRPr b="0" sz="1100">
+                <a:solidFill>
+                  <a:srgbClr val="5C2699"/>
+                </a:solidFill>
+                <a:latin typeface="Arial"/>
+                <a:ea typeface="Arial"/>
+                <a:cs typeface="Arial"/>
+                <a:sym typeface="Arial"/>
               </a:defRPr>
             </a:pPr>
             <a:r>
@@ -34131,9 +34131,9 @@
             </a:endParaRPr>
           </a:p>
           <a:p>
-            <a:pPr marL="457200" indent="-317500" defTabSz="457200">
+            <a:pPr marL="527755" indent="-388055" defTabSz="457200">
               <a:lnSpc>
-                <a:spcPts val="2300"/>
+                <a:spcPts val="1700"/>
               </a:lnSpc>
               <a:spcBef>
                 <a:spcPts val="0"/>
@@ -34144,14 +34144,14 @@
               <a:buSzPct val="100000"/>
               <a:buFont typeface="Menlo"/>
               <a:buChar char="•"/>
-              <a:defRPr b="0" sz="900">
-                <a:solidFill>
-                  <a:srgbClr val="3F6E74"/>
-                </a:solidFill>
-                <a:latin typeface="Menlo"/>
-                <a:ea typeface="Menlo"/>
-                <a:cs typeface="Menlo"/>
-                <a:sym typeface="Menlo"/>
+              <a:defRPr b="0" sz="1100">
+                <a:solidFill>
+                  <a:srgbClr val="5C2699"/>
+                </a:solidFill>
+                <a:latin typeface="Arial"/>
+                <a:ea typeface="Arial"/>
+                <a:cs typeface="Arial"/>
+                <a:sym typeface="Arial"/>
               </a:defRPr>
             </a:pPr>
             <a:r>
@@ -34204,9 +34204,9 @@
             </a:endParaRPr>
           </a:p>
           <a:p>
-            <a:pPr marL="457200" indent="-317500" defTabSz="457200">
+            <a:pPr marL="527755" indent="-388055" defTabSz="457200">
               <a:lnSpc>
-                <a:spcPts val="2300"/>
+                <a:spcPts val="1700"/>
               </a:lnSpc>
               <a:spcBef>
                 <a:spcPts val="0"/>
@@ -34217,14 +34217,14 @@
               <a:buSzPct val="100000"/>
               <a:buFont typeface="Menlo"/>
               <a:buChar char="•"/>
-              <a:defRPr b="0" sz="900">
-                <a:solidFill>
-                  <a:srgbClr val="3F6E74"/>
-                </a:solidFill>
-                <a:latin typeface="Menlo"/>
-                <a:ea typeface="Menlo"/>
-                <a:cs typeface="Menlo"/>
-                <a:sym typeface="Menlo"/>
+              <a:defRPr b="0" sz="1100">
+                <a:solidFill>
+                  <a:srgbClr val="5C2699"/>
+                </a:solidFill>
+                <a:latin typeface="Arial"/>
+                <a:ea typeface="Arial"/>
+                <a:cs typeface="Arial"/>
+                <a:sym typeface="Arial"/>
               </a:defRPr>
             </a:pPr>
             <a:r>
@@ -34277,9 +34277,9 @@
             </a:endParaRPr>
           </a:p>
           <a:p>
-            <a:pPr marL="457200" indent="-317500" defTabSz="457200">
+            <a:pPr marL="527755" indent="-388055" defTabSz="457200">
               <a:lnSpc>
-                <a:spcPts val="2300"/>
+                <a:spcPts val="1700"/>
               </a:lnSpc>
               <a:spcBef>
                 <a:spcPts val="0"/>
@@ -34290,14 +34290,14 @@
               <a:buSzPct val="100000"/>
               <a:buFont typeface="Menlo"/>
               <a:buChar char="•"/>
-              <a:defRPr b="0" sz="900">
-                <a:solidFill>
-                  <a:srgbClr val="333333"/>
-                </a:solidFill>
-                <a:latin typeface="Menlo"/>
-                <a:ea typeface="Menlo"/>
-                <a:cs typeface="Menlo"/>
-                <a:sym typeface="Menlo"/>
+              <a:defRPr b="0" sz="1100">
+                <a:solidFill>
+                  <a:srgbClr val="5C2699"/>
+                </a:solidFill>
+                <a:latin typeface="Arial"/>
+                <a:ea typeface="Arial"/>
+                <a:cs typeface="Arial"/>
+                <a:sym typeface="Arial"/>
               </a:defRPr>
             </a:pPr>
             <a:r>
@@ -34326,11 +34326,6 @@
               <a:t>: </a:t>
             </a:r>
             <a:r>
-              <a:rPr>
-                <a:solidFill>
-                  <a:srgbClr val="5C2699"/>
-                </a:solidFill>
-              </a:rPr>
               <a:t>String</a:t>
             </a:r>
             <a:r>
@@ -34338,9 +34333,9 @@
             </a:r>
           </a:p>
           <a:p>
-            <a:pPr marL="457200" indent="-317500" defTabSz="457200">
+            <a:pPr marL="527755" indent="-388055" defTabSz="457200">
               <a:lnSpc>
-                <a:spcPts val="2300"/>
+                <a:spcPts val="1700"/>
               </a:lnSpc>
               <a:spcBef>
                 <a:spcPts val="0"/>
@@ -34351,14 +34346,14 @@
               <a:buSzPct val="100000"/>
               <a:buFont typeface="Menlo"/>
               <a:buChar char="•"/>
-              <a:defRPr b="0" sz="900">
-                <a:solidFill>
-                  <a:srgbClr val="333333"/>
-                </a:solidFill>
-                <a:latin typeface="Menlo"/>
-                <a:ea typeface="Menlo"/>
-                <a:cs typeface="Menlo"/>
-                <a:sym typeface="Menlo"/>
+              <a:defRPr b="0" sz="1100">
+                <a:solidFill>
+                  <a:srgbClr val="5C2699"/>
+                </a:solidFill>
+                <a:latin typeface="Arial"/>
+                <a:ea typeface="Arial"/>
+                <a:cs typeface="Arial"/>
+                <a:sym typeface="Arial"/>
               </a:defRPr>
             </a:pPr>
             <a:r>
@@ -34507,7 +34502,7 @@
         <p:spPr>
           <a:xfrm>
             <a:off x="576953" y="1101687"/>
-            <a:ext cx="4200858" cy="579121"/>
+            <a:ext cx="3790231" cy="706002"/>
           </a:xfrm>
           <a:prstGeom prst="rect">
             <a:avLst/>
@@ -34527,9 +34522,9 @@
           </a:bodyPr>
           <a:lstStyle/>
           <a:p>
-            <a:pPr marL="457200" indent="-317500" defTabSz="457200">
+            <a:pPr marL="502557" indent="-362857" defTabSz="457200">
               <a:lnSpc>
-                <a:spcPts val="3900"/>
+                <a:spcPts val="2500"/>
               </a:lnSpc>
               <a:spcBef>
                 <a:spcPts val="0"/>
@@ -34540,14 +34535,14 @@
               <a:buSzPct val="100000"/>
               <a:buFont typeface="Menlo"/>
               <a:buChar char="•"/>
-              <a:defRPr b="0">
-                <a:solidFill>
-                  <a:srgbClr val="3F6E74"/>
-                </a:solidFill>
-                <a:latin typeface="Menlo"/>
-                <a:ea typeface="Menlo"/>
-                <a:cs typeface="Menlo"/>
-                <a:sym typeface="Menlo"/>
+              <a:defRPr b="0" sz="1600">
+                <a:solidFill>
+                  <a:srgbClr val="5C2699"/>
+                </a:solidFill>
+                <a:latin typeface="Arial"/>
+                <a:ea typeface="Arial"/>
+                <a:cs typeface="Arial"/>
+                <a:sym typeface="Arial"/>
               </a:defRPr>
             </a:pPr>
             <a:r>
@@ -34595,9 +34590,9 @@
             </a:endParaRPr>
           </a:p>
           <a:p>
-            <a:pPr marL="457200" indent="-317500" defTabSz="457200">
+            <a:pPr marL="502557" indent="-362857" defTabSz="457200">
               <a:lnSpc>
-                <a:spcPts val="3900"/>
+                <a:spcPts val="2500"/>
               </a:lnSpc>
               <a:spcBef>
                 <a:spcPts val="0"/>
@@ -34608,14 +34603,14 @@
               <a:buSzPct val="100000"/>
               <a:buFont typeface="Menlo"/>
               <a:buChar char="•"/>
-              <a:defRPr b="0">
-                <a:solidFill>
-                  <a:srgbClr val="3F6E74"/>
-                </a:solidFill>
-                <a:latin typeface="Menlo"/>
-                <a:ea typeface="Menlo"/>
-                <a:cs typeface="Menlo"/>
-                <a:sym typeface="Menlo"/>
+              <a:defRPr b="0" sz="1600">
+                <a:solidFill>
+                  <a:srgbClr val="5C2699"/>
+                </a:solidFill>
+                <a:latin typeface="Arial"/>
+                <a:ea typeface="Arial"/>
+                <a:cs typeface="Arial"/>
+                <a:sym typeface="Arial"/>
               </a:defRPr>
             </a:pPr>
             <a:r>
@@ -34799,7 +34794,7 @@
         <p:spPr>
           <a:xfrm>
             <a:off x="576953" y="1101687"/>
-            <a:ext cx="4965463" cy="383541"/>
+            <a:ext cx="4613210" cy="509665"/>
           </a:xfrm>
           <a:prstGeom prst="rect">
             <a:avLst/>
@@ -34819,9 +34814,9 @@
           </a:bodyPr>
           <a:lstStyle/>
           <a:p>
-            <a:pPr marL="457200" indent="-317500" defTabSz="457200">
+            <a:pPr marL="527755" indent="-388055" defTabSz="457200">
               <a:lnSpc>
-                <a:spcPts val="2300"/>
+                <a:spcPts val="1700"/>
               </a:lnSpc>
               <a:spcBef>
                 <a:spcPts val="0"/>
@@ -34832,14 +34827,14 @@
               <a:buSzPct val="100000"/>
               <a:buFont typeface="Menlo"/>
               <a:buChar char="•"/>
-              <a:defRPr b="0" sz="900">
-                <a:solidFill>
-                  <a:srgbClr val="C41A16"/>
-                </a:solidFill>
-                <a:latin typeface="Menlo"/>
-                <a:ea typeface="Menlo"/>
-                <a:cs typeface="Menlo"/>
-                <a:sym typeface="Menlo"/>
+              <a:defRPr b="0" sz="1100">
+                <a:solidFill>
+                  <a:srgbClr val="5C2699"/>
+                </a:solidFill>
+                <a:latin typeface="Arial"/>
+                <a:ea typeface="Arial"/>
+                <a:cs typeface="Arial"/>
+                <a:sym typeface="Arial"/>
               </a:defRPr>
             </a:pPr>
             <a:r>
@@ -34919,9 +34914,9 @@
             </a:endParaRPr>
           </a:p>
           <a:p>
-            <a:pPr marL="457200" indent="-317500" defTabSz="457200">
+            <a:pPr marL="527755" indent="-388055" defTabSz="457200">
               <a:lnSpc>
-                <a:spcPts val="2300"/>
+                <a:spcPts val="1700"/>
               </a:lnSpc>
               <a:spcBef>
                 <a:spcPts val="0"/>
@@ -34932,14 +34927,14 @@
               <a:buSzPct val="100000"/>
               <a:buFont typeface="Menlo"/>
               <a:buChar char="•"/>
-              <a:defRPr b="0" sz="900">
-                <a:solidFill>
-                  <a:srgbClr val="007400"/>
-                </a:solidFill>
-                <a:latin typeface="Menlo"/>
-                <a:ea typeface="Menlo"/>
-                <a:cs typeface="Menlo"/>
-                <a:sym typeface="Menlo"/>
+              <a:defRPr b="0" sz="1100">
+                <a:solidFill>
+                  <a:srgbClr val="5C2699"/>
+                </a:solidFill>
+                <a:latin typeface="Arial"/>
+                <a:ea typeface="Arial"/>
+                <a:cs typeface="Arial"/>
+                <a:sym typeface="Arial"/>
               </a:defRPr>
             </a:pPr>
             <a:r>
@@ -34957,7 +34952,7 @@
         <p:spPr>
           <a:xfrm>
             <a:off x="576953" y="1672310"/>
-            <a:ext cx="5584793" cy="383541"/>
+            <a:ext cx="5346021" cy="509665"/>
           </a:xfrm>
           <a:prstGeom prst="rect">
             <a:avLst/>
@@ -34977,9 +34972,9 @@
           </a:bodyPr>
           <a:lstStyle/>
           <a:p>
-            <a:pPr marL="457200" indent="-317500" defTabSz="457200">
+            <a:pPr marL="527755" indent="-388055" defTabSz="457200">
               <a:lnSpc>
-                <a:spcPts val="2300"/>
+                <a:spcPts val="1700"/>
               </a:lnSpc>
               <a:spcBef>
                 <a:spcPts val="0"/>
@@ -34990,14 +34985,14 @@
               <a:buSzPct val="100000"/>
               <a:buFont typeface="Menlo"/>
               <a:buChar char="•"/>
-              <a:defRPr b="0" sz="900">
-                <a:solidFill>
-                  <a:srgbClr val="C41A16"/>
-                </a:solidFill>
-                <a:latin typeface="Menlo"/>
-                <a:ea typeface="Menlo"/>
-                <a:cs typeface="Menlo"/>
-                <a:sym typeface="Menlo"/>
+              <a:defRPr b="0" sz="1100">
+                <a:solidFill>
+                  <a:srgbClr val="5C2699"/>
+                </a:solidFill>
+                <a:latin typeface="Arial"/>
+                <a:ea typeface="Arial"/>
+                <a:cs typeface="Arial"/>
+                <a:sym typeface="Arial"/>
               </a:defRPr>
             </a:pPr>
             <a:r>
@@ -35093,9 +35088,9 @@
             </a:endParaRPr>
           </a:p>
           <a:p>
-            <a:pPr marL="457200" indent="-317500" defTabSz="457200">
+            <a:pPr marL="527755" indent="-388055" defTabSz="457200">
               <a:lnSpc>
-                <a:spcPts val="2300"/>
+                <a:spcPts val="1700"/>
               </a:lnSpc>
               <a:spcBef>
                 <a:spcPts val="0"/>
@@ -35106,14 +35101,14 @@
               <a:buSzPct val="100000"/>
               <a:buFont typeface="Menlo"/>
               <a:buChar char="•"/>
-              <a:defRPr b="0" sz="900">
-                <a:solidFill>
-                  <a:srgbClr val="007400"/>
-                </a:solidFill>
-                <a:latin typeface="Menlo"/>
-                <a:ea typeface="Menlo"/>
-                <a:cs typeface="Menlo"/>
-                <a:sym typeface="Menlo"/>
+              <a:defRPr b="0" sz="1100">
+                <a:solidFill>
+                  <a:srgbClr val="5C2699"/>
+                </a:solidFill>
+                <a:latin typeface="Arial"/>
+                <a:ea typeface="Arial"/>
+                <a:cs typeface="Arial"/>
+                <a:sym typeface="Arial"/>
               </a:defRPr>
             </a:pPr>
             <a:r>
@@ -35131,7 +35126,7 @@
         <p:spPr>
           <a:xfrm>
             <a:off x="642434" y="2331800"/>
-            <a:ext cx="5860051" cy="548641"/>
+            <a:ext cx="5641111" cy="725566"/>
           </a:xfrm>
           <a:prstGeom prst="rect">
             <a:avLst/>
@@ -35151,9 +35146,9 @@
           </a:bodyPr>
           <a:lstStyle/>
           <a:p>
-            <a:pPr marL="457200" indent="-317500" defTabSz="457200">
+            <a:pPr marL="527755" indent="-388055" defTabSz="457200">
               <a:lnSpc>
-                <a:spcPts val="2300"/>
+                <a:spcPts val="1700"/>
               </a:lnSpc>
               <a:spcBef>
                 <a:spcPts val="0"/>
@@ -35164,14 +35159,14 @@
               <a:buSzPct val="100000"/>
               <a:buFont typeface="Menlo"/>
               <a:buChar char="•"/>
-              <a:defRPr b="0" sz="900">
-                <a:solidFill>
-                  <a:srgbClr val="3F6E74"/>
-                </a:solidFill>
-                <a:latin typeface="Menlo"/>
-                <a:ea typeface="Menlo"/>
-                <a:cs typeface="Menlo"/>
-                <a:sym typeface="Menlo"/>
+              <a:defRPr b="0" sz="1100">
+                <a:solidFill>
+                  <a:srgbClr val="5C2699"/>
+                </a:solidFill>
+                <a:latin typeface="Arial"/>
+                <a:ea typeface="Arial"/>
+                <a:cs typeface="Arial"/>
+                <a:sym typeface="Arial"/>
               </a:defRPr>
             </a:pPr>
             <a:r>
@@ -35222,9 +35217,9 @@
             </a:endParaRPr>
           </a:p>
           <a:p>
-            <a:pPr marL="457200" indent="-317500" defTabSz="457200">
+            <a:pPr marL="527755" indent="-388055" defTabSz="457200">
               <a:lnSpc>
-                <a:spcPts val="2300"/>
+                <a:spcPts val="1700"/>
               </a:lnSpc>
               <a:spcBef>
                 <a:spcPts val="0"/>
@@ -35235,14 +35230,14 @@
               <a:buSzPct val="100000"/>
               <a:buFont typeface="Menlo"/>
               <a:buChar char="•"/>
-              <a:defRPr b="0" sz="900">
-                <a:solidFill>
-                  <a:srgbClr val="C41A16"/>
-                </a:solidFill>
-                <a:latin typeface="Menlo"/>
-                <a:ea typeface="Menlo"/>
-                <a:cs typeface="Menlo"/>
-                <a:sym typeface="Menlo"/>
+              <a:defRPr b="0" sz="1100">
+                <a:solidFill>
+                  <a:srgbClr val="5C2699"/>
+                </a:solidFill>
+                <a:latin typeface="Arial"/>
+                <a:ea typeface="Arial"/>
+                <a:cs typeface="Arial"/>
+                <a:sym typeface="Arial"/>
               </a:defRPr>
             </a:pPr>
             <a:r>
@@ -35338,9 +35333,9 @@
             </a:endParaRPr>
           </a:p>
           <a:p>
-            <a:pPr marL="457200" indent="-317500" defTabSz="457200">
+            <a:pPr marL="527755" indent="-388055" defTabSz="457200">
               <a:lnSpc>
-                <a:spcPts val="2300"/>
+                <a:spcPts val="1700"/>
               </a:lnSpc>
               <a:spcBef>
                 <a:spcPts val="0"/>
@@ -35351,14 +35346,14 @@
               <a:buSzPct val="100000"/>
               <a:buFont typeface="Menlo"/>
               <a:buChar char="•"/>
-              <a:defRPr b="0" sz="900">
-                <a:solidFill>
-                  <a:srgbClr val="007400"/>
-                </a:solidFill>
-                <a:latin typeface="Menlo"/>
-                <a:ea typeface="Menlo"/>
-                <a:cs typeface="Menlo"/>
-                <a:sym typeface="Menlo"/>
+              <a:defRPr b="0" sz="1100">
+                <a:solidFill>
+                  <a:srgbClr val="5C2699"/>
+                </a:solidFill>
+                <a:latin typeface="Arial"/>
+                <a:ea typeface="Arial"/>
+                <a:cs typeface="Arial"/>
+                <a:sym typeface="Arial"/>
               </a:defRPr>
             </a:pPr>
             <a:r>
@@ -35375,8 +35370,8 @@
         </p:nvSpPr>
         <p:spPr>
           <a:xfrm>
-            <a:off x="1119513" y="3276603"/>
-            <a:ext cx="3200789" cy="218441"/>
+            <a:off x="809853" y="3350081"/>
+            <a:ext cx="2944174" cy="293766"/>
           </a:xfrm>
           <a:prstGeom prst="rect">
             <a:avLst/>
@@ -35396,21 +35391,23 @@
           </a:bodyPr>
           <a:lstStyle/>
           <a:p>
-            <a:pPr defTabSz="457200">
+            <a:pPr marL="110289" indent="-110289" defTabSz="457200">
               <a:lnSpc>
-                <a:spcPts val="2300"/>
+                <a:spcPts val="1700"/>
               </a:lnSpc>
               <a:spcBef>
                 <a:spcPts val="0"/>
               </a:spcBef>
-              <a:defRPr b="0" sz="900">
-                <a:solidFill>
-                  <a:srgbClr val="3F6E74"/>
-                </a:solidFill>
-                <a:latin typeface="Menlo"/>
-                <a:ea typeface="Menlo"/>
-                <a:cs typeface="Menlo"/>
-                <a:sym typeface="Menlo"/>
+              <a:buSzPct val="100000"/>
+              <a:buChar char="•"/>
+              <a:defRPr b="0" sz="1100">
+                <a:solidFill>
+                  <a:srgbClr val="5C2699"/>
+                </a:solidFill>
+                <a:latin typeface="Arial"/>
+                <a:ea typeface="Arial"/>
+                <a:cs typeface="Arial"/>
+                <a:sym typeface="Arial"/>
               </a:defRPr>
             </a:pPr>
             <a:r>
@@ -35648,7 +35645,7 @@
         <p:spPr>
           <a:xfrm>
             <a:off x="913714" y="1313910"/>
-            <a:ext cx="5592439" cy="579121"/>
+            <a:ext cx="4758110" cy="706002"/>
           </a:xfrm>
           <a:prstGeom prst="rect">
             <a:avLst/>
@@ -35668,9 +35665,9 @@
           </a:bodyPr>
           <a:lstStyle/>
           <a:p>
-            <a:pPr marL="457200" indent="-317500" defTabSz="457200">
+            <a:pPr marL="502557" indent="-362857" defTabSz="457200">
               <a:lnSpc>
-                <a:spcPts val="3900"/>
+                <a:spcPts val="2500"/>
               </a:lnSpc>
               <a:spcBef>
                 <a:spcPts val="0"/>
@@ -35681,14 +35678,14 @@
               <a:buSzPct val="100000"/>
               <a:buFont typeface="Menlo"/>
               <a:buChar char="•"/>
-              <a:defRPr b="0">
-                <a:solidFill>
-                  <a:srgbClr val="3F6E74"/>
-                </a:solidFill>
-                <a:latin typeface="Menlo"/>
-                <a:ea typeface="Menlo"/>
-                <a:cs typeface="Menlo"/>
-                <a:sym typeface="Menlo"/>
+              <a:defRPr b="0" sz="1600">
+                <a:solidFill>
+                  <a:srgbClr val="5C2699"/>
+                </a:solidFill>
+                <a:latin typeface="Arial"/>
+                <a:ea typeface="Arial"/>
+                <a:cs typeface="Arial"/>
+                <a:sym typeface="Arial"/>
               </a:defRPr>
             </a:pPr>
             <a:r>
@@ -35790,9 +35787,9 @@
             </a:endParaRPr>
           </a:p>
           <a:p>
-            <a:pPr marL="457200" indent="-317500" defTabSz="457200">
+            <a:pPr marL="502557" indent="-362857" defTabSz="457200">
               <a:lnSpc>
-                <a:spcPts val="3900"/>
+                <a:spcPts val="2500"/>
               </a:lnSpc>
               <a:spcBef>
                 <a:spcPts val="0"/>
@@ -35803,14 +35800,14 @@
               <a:buSzPct val="100000"/>
               <a:buFont typeface="Menlo"/>
               <a:buChar char="•"/>
-              <a:defRPr b="0">
-                <a:solidFill>
-                  <a:srgbClr val="AA0D91"/>
-                </a:solidFill>
-                <a:latin typeface="Menlo"/>
-                <a:ea typeface="Menlo"/>
-                <a:cs typeface="Menlo"/>
-                <a:sym typeface="Menlo"/>
+              <a:defRPr b="0" sz="1600">
+                <a:solidFill>
+                  <a:srgbClr val="5C2699"/>
+                </a:solidFill>
+                <a:latin typeface="Arial"/>
+                <a:ea typeface="Arial"/>
+                <a:cs typeface="Arial"/>
+                <a:sym typeface="Arial"/>
               </a:defRPr>
             </a:pPr>
             <a:r>
@@ -35991,7 +35988,7 @@
         <p:spPr>
           <a:xfrm>
             <a:off x="895862" y="1286378"/>
-            <a:ext cx="5592438" cy="863601"/>
+            <a:ext cx="3347401" cy="725565"/>
           </a:xfrm>
           <a:prstGeom prst="rect">
             <a:avLst/>
@@ -36011,9 +36008,9 @@
           </a:bodyPr>
           <a:lstStyle/>
           <a:p>
-            <a:pPr marL="457200" indent="-317500" defTabSz="457200">
+            <a:pPr marL="389164" indent="-249464" defTabSz="457200">
               <a:lnSpc>
-                <a:spcPts val="3900"/>
+                <a:spcPts val="1700"/>
               </a:lnSpc>
               <a:spcBef>
                 <a:spcPts val="0"/>
@@ -36024,14 +36021,14 @@
               <a:buSzPct val="100000"/>
               <a:buFont typeface="Menlo"/>
               <a:buChar char="•"/>
-              <a:defRPr b="0">
-                <a:solidFill>
-                  <a:srgbClr val="3F6E74"/>
-                </a:solidFill>
-                <a:latin typeface="Menlo"/>
-                <a:ea typeface="Menlo"/>
-                <a:cs typeface="Menlo"/>
-                <a:sym typeface="Menlo"/>
+              <a:defRPr b="0" sz="1100">
+                <a:solidFill>
+                  <a:srgbClr val="5C2699"/>
+                </a:solidFill>
+                <a:latin typeface="Arial"/>
+                <a:ea typeface="Arial"/>
+                <a:cs typeface="Arial"/>
+                <a:sym typeface="Arial"/>
               </a:defRPr>
             </a:pPr>
             <a:r>
@@ -36133,9 +36130,9 @@
             </a:endParaRPr>
           </a:p>
           <a:p>
-            <a:pPr marL="457200" indent="-317500" defTabSz="457200">
+            <a:pPr marL="389164" indent="-249464" defTabSz="457200">
               <a:lnSpc>
-                <a:spcPts val="3900"/>
+                <a:spcPts val="1700"/>
               </a:lnSpc>
               <a:spcBef>
                 <a:spcPts val="0"/>
@@ -36146,14 +36143,14 @@
               <a:buSzPct val="100000"/>
               <a:buFont typeface="Menlo"/>
               <a:buChar char="•"/>
-              <a:defRPr b="0">
-                <a:solidFill>
-                  <a:srgbClr val="AA0D91"/>
-                </a:solidFill>
-                <a:latin typeface="Menlo"/>
-                <a:ea typeface="Menlo"/>
-                <a:cs typeface="Menlo"/>
-                <a:sym typeface="Menlo"/>
+              <a:defRPr b="0" sz="1100">
+                <a:solidFill>
+                  <a:srgbClr val="5C2699"/>
+                </a:solidFill>
+                <a:latin typeface="Arial"/>
+                <a:ea typeface="Arial"/>
+                <a:cs typeface="Arial"/>
+                <a:sym typeface="Arial"/>
               </a:defRPr>
             </a:pPr>
             <a:r>
@@ -36208,7 +36205,7 @@
         <p:spPr>
           <a:xfrm>
             <a:off x="903747" y="2694425"/>
-            <a:ext cx="6020617" cy="863601"/>
+            <a:ext cx="3589284" cy="725565"/>
           </a:xfrm>
           <a:prstGeom prst="rect">
             <a:avLst/>
@@ -36228,9 +36225,9 @@
           </a:bodyPr>
           <a:lstStyle/>
           <a:p>
-            <a:pPr marL="457200" indent="-317500" defTabSz="457200">
+            <a:pPr marL="389164" indent="-249464" defTabSz="457200">
               <a:lnSpc>
-                <a:spcPts val="3900"/>
+                <a:spcPts val="1700"/>
               </a:lnSpc>
               <a:spcBef>
                 <a:spcPts val="0"/>
@@ -36241,14 +36238,14 @@
               <a:buSzPct val="100000"/>
               <a:buFont typeface="Menlo"/>
               <a:buChar char="•"/>
-              <a:defRPr b="0">
-                <a:solidFill>
-                  <a:srgbClr val="C41A16"/>
-                </a:solidFill>
-                <a:latin typeface="Menlo"/>
-                <a:ea typeface="Menlo"/>
-                <a:cs typeface="Menlo"/>
-                <a:sym typeface="Menlo"/>
+              <a:defRPr b="0" sz="1100">
+                <a:solidFill>
+                  <a:srgbClr val="5C2699"/>
+                </a:solidFill>
+                <a:latin typeface="Arial"/>
+                <a:ea typeface="Arial"/>
+                <a:cs typeface="Arial"/>
+                <a:sym typeface="Arial"/>
               </a:defRPr>
             </a:pPr>
             <a:r>
@@ -36328,9 +36325,9 @@
             </a:endParaRPr>
           </a:p>
           <a:p>
-            <a:pPr marL="457200" indent="-317500" defTabSz="457200">
+            <a:pPr marL="389164" indent="-249464" defTabSz="457200">
               <a:lnSpc>
-                <a:spcPts val="3900"/>
+                <a:spcPts val="1700"/>
               </a:lnSpc>
               <a:spcBef>
                 <a:spcPts val="0"/>
@@ -36341,14 +36338,14 @@
               <a:buSzPct val="100000"/>
               <a:buFont typeface="Menlo"/>
               <a:buChar char="•"/>
-              <a:defRPr b="0">
-                <a:solidFill>
-                  <a:srgbClr val="007400"/>
-                </a:solidFill>
-                <a:latin typeface="Menlo"/>
-                <a:ea typeface="Menlo"/>
-                <a:cs typeface="Menlo"/>
-                <a:sym typeface="Menlo"/>
+              <a:defRPr b="0" sz="1100">
+                <a:solidFill>
+                  <a:srgbClr val="5C2699"/>
+                </a:solidFill>
+                <a:latin typeface="Arial"/>
+                <a:ea typeface="Arial"/>
+                <a:cs typeface="Arial"/>
+                <a:sym typeface="Arial"/>
               </a:defRPr>
             </a:pPr>
             <a:r>
@@ -36370,8 +36367,8 @@
         </p:nvSpPr>
         <p:spPr>
           <a:xfrm>
-            <a:off x="898458" y="3615620"/>
-            <a:ext cx="5378349" cy="863601"/>
+            <a:off x="908955" y="3505402"/>
+            <a:ext cx="2944876" cy="725566"/>
           </a:xfrm>
           <a:prstGeom prst="rect">
             <a:avLst/>
@@ -36391,9 +36388,9 @@
           </a:bodyPr>
           <a:lstStyle/>
           <a:p>
-            <a:pPr marL="457200" indent="-317500" defTabSz="457200">
+            <a:pPr marL="389164" indent="-249464" defTabSz="457200">
               <a:lnSpc>
-                <a:spcPts val="3900"/>
+                <a:spcPts val="1700"/>
               </a:lnSpc>
               <a:spcBef>
                 <a:spcPts val="0"/>
@@ -36404,14 +36401,14 @@
               <a:buSzPct val="100000"/>
               <a:buFont typeface="Menlo"/>
               <a:buChar char="•"/>
-              <a:defRPr b="0">
-                <a:solidFill>
-                  <a:srgbClr val="C41A16"/>
-                </a:solidFill>
-                <a:latin typeface="Menlo"/>
-                <a:ea typeface="Menlo"/>
-                <a:cs typeface="Menlo"/>
-                <a:sym typeface="Menlo"/>
+              <a:defRPr b="0" sz="1100">
+                <a:solidFill>
+                  <a:srgbClr val="5C2699"/>
+                </a:solidFill>
+                <a:latin typeface="Arial"/>
+                <a:ea typeface="Arial"/>
+                <a:cs typeface="Arial"/>
+                <a:sym typeface="Arial"/>
               </a:defRPr>
             </a:pPr>
             <a:r>
@@ -36491,9 +36488,9 @@
             </a:endParaRPr>
           </a:p>
           <a:p>
-            <a:pPr marL="457200" indent="-317500" defTabSz="457200">
+            <a:pPr marL="389164" indent="-249464" defTabSz="457200">
               <a:lnSpc>
-                <a:spcPts val="3900"/>
+                <a:spcPts val="1700"/>
               </a:lnSpc>
               <a:spcBef>
                 <a:spcPts val="0"/>
@@ -36504,14 +36501,14 @@
               <a:buSzPct val="100000"/>
               <a:buFont typeface="Menlo"/>
               <a:buChar char="•"/>
-              <a:defRPr b="0">
-                <a:solidFill>
-                  <a:srgbClr val="007400"/>
-                </a:solidFill>
-                <a:latin typeface="Menlo"/>
-                <a:ea typeface="Menlo"/>
-                <a:cs typeface="Menlo"/>
-                <a:sym typeface="Menlo"/>
+              <a:defRPr b="0" sz="1100">
+                <a:solidFill>
+                  <a:srgbClr val="5C2699"/>
+                </a:solidFill>
+                <a:latin typeface="Arial"/>
+                <a:ea typeface="Arial"/>
+                <a:cs typeface="Arial"/>
+                <a:sym typeface="Arial"/>
               </a:defRPr>
             </a:pPr>
             <a:r>
@@ -36533,8 +36530,8 @@
         </p:nvSpPr>
         <p:spPr>
           <a:xfrm>
-            <a:off x="1359464" y="2156633"/>
-            <a:ext cx="2137989" cy="294641"/>
+            <a:off x="1076047" y="2157071"/>
+            <a:ext cx="1499698" cy="293765"/>
           </a:xfrm>
           <a:prstGeom prst="rect">
             <a:avLst/>
@@ -36554,21 +36551,23 @@
           </a:bodyPr>
           <a:lstStyle/>
           <a:p>
-            <a:pPr defTabSz="457200">
+            <a:pPr marL="110289" indent="-110289" defTabSz="457200">
               <a:lnSpc>
-                <a:spcPts val="3200"/>
+                <a:spcPts val="1700"/>
               </a:lnSpc>
               <a:spcBef>
                 <a:spcPts val="0"/>
               </a:spcBef>
-              <a:defRPr b="0">
-                <a:solidFill>
-                  <a:srgbClr val="3F6E74"/>
-                </a:solidFill>
-                <a:latin typeface="Menlo"/>
-                <a:ea typeface="Menlo"/>
-                <a:cs typeface="Menlo"/>
-                <a:sym typeface="Menlo"/>
+              <a:buSzPct val="100000"/>
+              <a:buChar char="•"/>
+              <a:defRPr b="0" sz="1100">
+                <a:solidFill>
+                  <a:srgbClr val="5C2699"/>
+                </a:solidFill>
+                <a:latin typeface="Arial"/>
+                <a:ea typeface="Arial"/>
+                <a:cs typeface="Arial"/>
+                <a:sym typeface="Arial"/>
               </a:defRPr>
             </a:pPr>
             <a:r>
@@ -36743,8 +36742,8 @@
         </p:nvSpPr>
         <p:spPr>
           <a:xfrm>
-            <a:off x="917166" y="1306830"/>
-            <a:ext cx="4690206" cy="2529841"/>
+            <a:off x="927663" y="1207109"/>
+            <a:ext cx="4426580" cy="3316365"/>
           </a:xfrm>
           <a:prstGeom prst="rect">
             <a:avLst/>
@@ -36764,9 +36763,9 @@
           </a:bodyPr>
           <a:lstStyle/>
           <a:p>
-            <a:pPr marL="457200" indent="-317500" defTabSz="457200">
+            <a:pPr marL="527755" indent="-388055" defTabSz="457200">
               <a:lnSpc>
-                <a:spcPts val="2300"/>
+                <a:spcPts val="1700"/>
               </a:lnSpc>
               <a:spcBef>
                 <a:spcPts val="0"/>
@@ -36777,14 +36776,14 @@
               <a:buSzPct val="100000"/>
               <a:buFont typeface="Menlo"/>
               <a:buChar char="•"/>
-              <a:defRPr b="0" sz="900">
-                <a:solidFill>
-                  <a:srgbClr val="3F6E74"/>
-                </a:solidFill>
-                <a:latin typeface="Menlo"/>
-                <a:ea typeface="Menlo"/>
-                <a:cs typeface="Menlo"/>
-                <a:sym typeface="Menlo"/>
+              <a:defRPr b="0" sz="1100">
+                <a:solidFill>
+                  <a:srgbClr val="5C2699"/>
+                </a:solidFill>
+                <a:latin typeface="Arial"/>
+                <a:ea typeface="Arial"/>
+                <a:cs typeface="Arial"/>
+                <a:sym typeface="Arial"/>
               </a:defRPr>
             </a:pPr>
             <a:r>
@@ -36821,9 +36820,9 @@
             </a:endParaRPr>
           </a:p>
           <a:p>
-            <a:pPr marL="457200" indent="-317500" defTabSz="457200">
+            <a:pPr marL="527755" indent="-388055" defTabSz="457200">
               <a:lnSpc>
-                <a:spcPts val="2300"/>
+                <a:spcPts val="1700"/>
               </a:lnSpc>
               <a:spcBef>
                 <a:spcPts val="0"/>
@@ -36834,14 +36833,14 @@
               <a:buSzPct val="100000"/>
               <a:buFont typeface="Menlo"/>
               <a:buChar char="•"/>
-              <a:defRPr b="0" sz="900">
-                <a:solidFill>
-                  <a:srgbClr val="333333"/>
-                </a:solidFill>
-                <a:latin typeface="Menlo"/>
-                <a:ea typeface="Menlo"/>
-                <a:cs typeface="Menlo"/>
-                <a:sym typeface="Menlo"/>
+              <a:defRPr b="0" sz="1100">
+                <a:solidFill>
+                  <a:srgbClr val="5C2699"/>
+                </a:solidFill>
+                <a:latin typeface="Arial"/>
+                <a:ea typeface="Arial"/>
+                <a:cs typeface="Arial"/>
+                <a:sym typeface="Arial"/>
               </a:defRPr>
             </a:pPr>
             <a:r>
@@ -36901,9 +36900,9 @@
             </a:r>
           </a:p>
           <a:p>
-            <a:pPr marL="457200" indent="-317500" defTabSz="457200">
+            <a:pPr marL="527755" indent="-388055" defTabSz="457200">
               <a:lnSpc>
-                <a:spcPts val="2300"/>
+                <a:spcPts val="1700"/>
               </a:lnSpc>
               <a:spcBef>
                 <a:spcPts val="0"/>
@@ -36914,14 +36913,14 @@
               <a:buSzPct val="100000"/>
               <a:buFont typeface="Menlo"/>
               <a:buChar char="•"/>
-              <a:defRPr b="0" sz="900">
-                <a:solidFill>
-                  <a:srgbClr val="3F6E74"/>
-                </a:solidFill>
-                <a:latin typeface="Menlo"/>
-                <a:ea typeface="Menlo"/>
-                <a:cs typeface="Menlo"/>
-                <a:sym typeface="Menlo"/>
+              <a:defRPr b="0" sz="1100">
+                <a:solidFill>
+                  <a:srgbClr val="5C2699"/>
+                </a:solidFill>
+                <a:latin typeface="Arial"/>
+                <a:ea typeface="Arial"/>
+                <a:cs typeface="Arial"/>
+                <a:sym typeface="Arial"/>
               </a:defRPr>
             </a:pPr>
             <a:r>
@@ -36982,9 +36981,9 @@
             </a:endParaRPr>
           </a:p>
           <a:p>
-            <a:pPr marL="457200" indent="-317500" defTabSz="457200">
+            <a:pPr marL="527755" indent="-388055" defTabSz="457200">
               <a:lnSpc>
-                <a:spcPts val="2300"/>
+                <a:spcPts val="1700"/>
               </a:lnSpc>
               <a:spcBef>
                 <a:spcPts val="0"/>
@@ -36995,14 +36994,14 @@
               <a:buSzPct val="100000"/>
               <a:buFont typeface="Menlo"/>
               <a:buChar char="•"/>
-              <a:defRPr b="0" sz="900">
-                <a:solidFill>
-                  <a:srgbClr val="333333"/>
-                </a:solidFill>
-                <a:latin typeface="Menlo"/>
-                <a:ea typeface="Menlo"/>
-                <a:cs typeface="Menlo"/>
-                <a:sym typeface="Menlo"/>
+              <a:defRPr b="0" sz="1100">
+                <a:solidFill>
+                  <a:srgbClr val="5C2699"/>
+                </a:solidFill>
+                <a:latin typeface="Arial"/>
+                <a:ea typeface="Arial"/>
+                <a:cs typeface="Arial"/>
+                <a:sym typeface="Arial"/>
               </a:defRPr>
             </a:pPr>
             <a:r>
@@ -37029,9 +37028,9 @@
             </a:r>
           </a:p>
           <a:p>
-            <a:pPr marL="457200" indent="-317500" defTabSz="457200">
+            <a:pPr marL="527755" indent="-388055" defTabSz="457200">
               <a:lnSpc>
-                <a:spcPts val="2300"/>
+                <a:spcPts val="1700"/>
               </a:lnSpc>
               <a:spcBef>
                 <a:spcPts val="0"/>
@@ -37042,14 +37041,14 @@
               <a:buSzPct val="100000"/>
               <a:buFont typeface="Menlo"/>
               <a:buChar char="•"/>
-              <a:defRPr b="0" sz="900">
-                <a:solidFill>
-                  <a:srgbClr val="333333"/>
-                </a:solidFill>
-                <a:latin typeface="Menlo"/>
-                <a:ea typeface="Menlo"/>
-                <a:cs typeface="Menlo"/>
-                <a:sym typeface="Menlo"/>
+              <a:defRPr b="0" sz="1100">
+                <a:solidFill>
+                  <a:srgbClr val="5C2699"/>
+                </a:solidFill>
+                <a:latin typeface="Arial"/>
+                <a:ea typeface="Arial"/>
+                <a:cs typeface="Arial"/>
+                <a:sym typeface="Arial"/>
               </a:defRPr>
             </a:pPr>
             <a:r>
@@ -37057,9 +37056,9 @@
             </a:r>
           </a:p>
           <a:p>
-            <a:pPr marL="457200" indent="-317500" defTabSz="457200">
+            <a:pPr marL="527755" indent="-388055" defTabSz="457200">
               <a:lnSpc>
-                <a:spcPts val="2300"/>
+                <a:spcPts val="1700"/>
               </a:lnSpc>
               <a:spcBef>
                 <a:spcPts val="0"/>
@@ -37070,14 +37069,14 @@
               <a:buSzPct val="100000"/>
               <a:buFont typeface="Menlo"/>
               <a:buChar char="•"/>
-              <a:defRPr b="0" sz="900">
-                <a:solidFill>
-                  <a:srgbClr val="333333"/>
-                </a:solidFill>
-                <a:latin typeface="Menlo"/>
-                <a:ea typeface="Menlo"/>
-                <a:cs typeface="Menlo"/>
-                <a:sym typeface="Menlo"/>
+              <a:defRPr b="0" sz="1100">
+                <a:solidFill>
+                  <a:srgbClr val="5C2699"/>
+                </a:solidFill>
+                <a:latin typeface="Arial"/>
+                <a:ea typeface="Arial"/>
+                <a:cs typeface="Arial"/>
+                <a:sym typeface="Arial"/>
               </a:defRPr>
             </a:pPr>
             <a:r>
@@ -37085,9 +37084,9 @@
             </a:r>
           </a:p>
           <a:p>
-            <a:pPr marL="457200" indent="-317500" defTabSz="457200">
+            <a:pPr marL="527755" indent="-388055" defTabSz="457200">
               <a:lnSpc>
-                <a:spcPts val="2300"/>
+                <a:spcPts val="1700"/>
               </a:lnSpc>
               <a:spcBef>
                 <a:spcPts val="0"/>
@@ -37098,14 +37097,14 @@
               <a:buSzPct val="100000"/>
               <a:buFont typeface="Menlo"/>
               <a:buChar char="•"/>
-              <a:defRPr b="0" sz="900">
-                <a:solidFill>
-                  <a:srgbClr val="3F6E74"/>
-                </a:solidFill>
-                <a:latin typeface="Menlo"/>
-                <a:ea typeface="Menlo"/>
-                <a:cs typeface="Menlo"/>
-                <a:sym typeface="Menlo"/>
+              <a:defRPr b="0" sz="1100">
+                <a:solidFill>
+                  <a:srgbClr val="5C2699"/>
+                </a:solidFill>
+                <a:latin typeface="Arial"/>
+                <a:ea typeface="Arial"/>
+                <a:cs typeface="Arial"/>
+                <a:sym typeface="Arial"/>
               </a:defRPr>
             </a:pPr>
             <a:r>
@@ -37156,9 +37155,9 @@
             </a:endParaRPr>
           </a:p>
           <a:p>
-            <a:pPr marL="457200" indent="-317500" defTabSz="457200">
+            <a:pPr marL="527755" indent="-388055" defTabSz="457200">
               <a:lnSpc>
-                <a:spcPts val="2300"/>
+                <a:spcPts val="1700"/>
               </a:lnSpc>
               <a:spcBef>
                 <a:spcPts val="0"/>
@@ -37169,14 +37168,14 @@
               <a:buSzPct val="100000"/>
               <a:buFont typeface="Menlo"/>
               <a:buChar char="•"/>
-              <a:defRPr b="0" sz="900">
-                <a:solidFill>
-                  <a:srgbClr val="3F6E74"/>
-                </a:solidFill>
-                <a:latin typeface="Menlo"/>
-                <a:ea typeface="Menlo"/>
-                <a:cs typeface="Menlo"/>
-                <a:sym typeface="Menlo"/>
+              <a:defRPr b="0" sz="1100">
+                <a:solidFill>
+                  <a:srgbClr val="5C2699"/>
+                </a:solidFill>
+                <a:latin typeface="Arial"/>
+                <a:ea typeface="Arial"/>
+                <a:cs typeface="Arial"/>
+                <a:sym typeface="Arial"/>
               </a:defRPr>
             </a:pPr>
             <a:r>
@@ -37216,9 +37215,9 @@
             </a:endParaRPr>
           </a:p>
           <a:p>
-            <a:pPr marL="457200" indent="-317500" defTabSz="457200">
+            <a:pPr marL="527755" indent="-388055" defTabSz="457200">
               <a:lnSpc>
-                <a:spcPts val="2300"/>
+                <a:spcPts val="1700"/>
               </a:lnSpc>
               <a:spcBef>
                 <a:spcPts val="0"/>
@@ -37229,14 +37228,14 @@
               <a:buSzPct val="100000"/>
               <a:buFont typeface="Menlo"/>
               <a:buChar char="•"/>
-              <a:defRPr b="0" sz="900">
-                <a:solidFill>
-                  <a:srgbClr val="3F6E74"/>
-                </a:solidFill>
-                <a:latin typeface="Menlo"/>
-                <a:ea typeface="Menlo"/>
-                <a:cs typeface="Menlo"/>
-                <a:sym typeface="Menlo"/>
+              <a:defRPr b="0" sz="1100">
+                <a:solidFill>
+                  <a:srgbClr val="5C2699"/>
+                </a:solidFill>
+                <a:latin typeface="Arial"/>
+                <a:ea typeface="Arial"/>
+                <a:cs typeface="Arial"/>
+                <a:sym typeface="Arial"/>
               </a:defRPr>
             </a:pPr>
             <a:r>
@@ -37268,9 +37267,9 @@
             </a:endParaRPr>
           </a:p>
           <a:p>
-            <a:pPr marL="457200" indent="-317500" defTabSz="457200">
+            <a:pPr marL="527755" indent="-388055" defTabSz="457200">
               <a:lnSpc>
-                <a:spcPts val="2300"/>
+                <a:spcPts val="1700"/>
               </a:lnSpc>
               <a:spcBef>
                 <a:spcPts val="0"/>
@@ -37281,21 +37280,21 @@
               <a:buSzPct val="100000"/>
               <a:buFont typeface="Menlo"/>
               <a:buChar char="•"/>
-              <a:defRPr b="0" sz="900">
-                <a:solidFill>
-                  <a:srgbClr val="333333"/>
-                </a:solidFill>
-                <a:latin typeface="Menlo"/>
-                <a:ea typeface="Menlo"/>
-                <a:cs typeface="Menlo"/>
-                <a:sym typeface="Menlo"/>
+              <a:defRPr b="0" sz="1100">
+                <a:solidFill>
+                  <a:srgbClr val="5C2699"/>
+                </a:solidFill>
+                <a:latin typeface="Arial"/>
+                <a:ea typeface="Arial"/>
+                <a:cs typeface="Arial"/>
+                <a:sym typeface="Arial"/>
               </a:defRPr>
             </a:pPr>
           </a:p>
           <a:p>
-            <a:pPr marL="457200" indent="-317500" defTabSz="457200">
+            <a:pPr marL="527755" indent="-388055" defTabSz="457200">
               <a:lnSpc>
-                <a:spcPts val="2300"/>
+                <a:spcPts val="1700"/>
               </a:lnSpc>
               <a:spcBef>
                 <a:spcPts val="0"/>
@@ -37306,14 +37305,14 @@
               <a:buSzPct val="100000"/>
               <a:buFont typeface="Menlo"/>
               <a:buChar char="•"/>
-              <a:defRPr b="0" sz="900">
-                <a:solidFill>
-                  <a:srgbClr val="C41A16"/>
-                </a:solidFill>
-                <a:latin typeface="Menlo"/>
-                <a:ea typeface="Menlo"/>
-                <a:cs typeface="Menlo"/>
-                <a:sym typeface="Menlo"/>
+              <a:defRPr b="0" sz="1100">
+                <a:solidFill>
+                  <a:srgbClr val="5C2699"/>
+                </a:solidFill>
+                <a:latin typeface="Arial"/>
+                <a:ea typeface="Arial"/>
+                <a:cs typeface="Arial"/>
+                <a:sym typeface="Arial"/>
               </a:defRPr>
             </a:pPr>
             <a:r>
@@ -37377,9 +37376,9 @@
             </a:endParaRPr>
           </a:p>
           <a:p>
-            <a:pPr marL="457200" indent="-317500" defTabSz="457200">
+            <a:pPr marL="527755" indent="-388055" defTabSz="457200">
               <a:lnSpc>
-                <a:spcPts val="2300"/>
+                <a:spcPts val="1700"/>
               </a:lnSpc>
               <a:spcBef>
                 <a:spcPts val="0"/>
@@ -37390,14 +37389,14 @@
               <a:buSzPct val="100000"/>
               <a:buFont typeface="Menlo"/>
               <a:buChar char="•"/>
-              <a:defRPr b="0" sz="900">
-                <a:solidFill>
-                  <a:srgbClr val="C41A16"/>
-                </a:solidFill>
-                <a:latin typeface="Menlo"/>
-                <a:ea typeface="Menlo"/>
-                <a:cs typeface="Menlo"/>
-                <a:sym typeface="Menlo"/>
+              <a:defRPr b="0" sz="1100">
+                <a:solidFill>
+                  <a:srgbClr val="5C2699"/>
+                </a:solidFill>
+                <a:latin typeface="Arial"/>
+                <a:ea typeface="Arial"/>
+                <a:cs typeface="Arial"/>
+                <a:sym typeface="Arial"/>
               </a:defRPr>
             </a:pPr>
             <a:r>
@@ -37461,9 +37460,9 @@
             </a:endParaRPr>
           </a:p>
           <a:p>
-            <a:pPr marL="457200" indent="-317500" defTabSz="457200">
+            <a:pPr marL="527755" indent="-388055" defTabSz="457200">
               <a:lnSpc>
-                <a:spcPts val="2300"/>
+                <a:spcPts val="1700"/>
               </a:lnSpc>
               <a:spcBef>
                 <a:spcPts val="0"/>
@@ -37474,14 +37473,14 @@
               <a:buSzPct val="100000"/>
               <a:buFont typeface="Menlo"/>
               <a:buChar char="•"/>
-              <a:defRPr b="0" sz="900">
-                <a:solidFill>
-                  <a:srgbClr val="007400"/>
-                </a:solidFill>
-                <a:latin typeface="Menlo"/>
-                <a:ea typeface="Menlo"/>
-                <a:cs typeface="Menlo"/>
-                <a:sym typeface="Menlo"/>
+              <a:defRPr b="0" sz="1100">
+                <a:solidFill>
+                  <a:srgbClr val="5C2699"/>
+                </a:solidFill>
+                <a:latin typeface="Arial"/>
+                <a:ea typeface="Arial"/>
+                <a:cs typeface="Arial"/>
+                <a:sym typeface="Arial"/>
               </a:defRPr>
             </a:pPr>
             <a:r>
@@ -37494,9 +37493,9 @@
             </a:endParaRPr>
           </a:p>
           <a:p>
-            <a:pPr marL="457200" indent="-317500" defTabSz="457200">
+            <a:pPr marL="527755" indent="-388055" defTabSz="457200">
               <a:lnSpc>
-                <a:spcPts val="2300"/>
+                <a:spcPts val="1700"/>
               </a:lnSpc>
               <a:spcBef>
                 <a:spcPts val="0"/>
@@ -37507,14 +37506,14 @@
               <a:buSzPct val="100000"/>
               <a:buFont typeface="Menlo"/>
               <a:buChar char="•"/>
-              <a:defRPr b="0" sz="900">
-                <a:solidFill>
-                  <a:srgbClr val="007400"/>
-                </a:solidFill>
-                <a:latin typeface="Menlo"/>
-                <a:ea typeface="Menlo"/>
-                <a:cs typeface="Menlo"/>
-                <a:sym typeface="Menlo"/>
+              <a:defRPr b="0" sz="1100">
+                <a:solidFill>
+                  <a:srgbClr val="5C2699"/>
+                </a:solidFill>
+                <a:latin typeface="Arial"/>
+                <a:ea typeface="Arial"/>
+                <a:cs typeface="Arial"/>
+                <a:sym typeface="Arial"/>
               </a:defRPr>
             </a:pPr>
             <a:r>
@@ -37668,7 +37667,7 @@
         <p:spPr>
           <a:xfrm>
             <a:off x="917166" y="1306830"/>
-            <a:ext cx="2488145" cy="1356360"/>
+            <a:ext cx="2396019" cy="1157365"/>
           </a:xfrm>
           <a:prstGeom prst="rect">
             <a:avLst/>
@@ -37688,9 +37687,9 @@
           </a:bodyPr>
           <a:lstStyle/>
           <a:p>
-            <a:pPr marL="457200" indent="-317500" defTabSz="457200">
+            <a:pPr marL="527755" indent="-388055" defTabSz="457200">
               <a:lnSpc>
-                <a:spcPts val="3300"/>
+                <a:spcPts val="1700"/>
               </a:lnSpc>
               <a:spcBef>
                 <a:spcPts val="0"/>
@@ -37701,14 +37700,14 @@
               <a:buSzPct val="100000"/>
               <a:buFont typeface="Menlo"/>
               <a:buChar char="•"/>
-              <a:defRPr b="0" sz="900">
-                <a:solidFill>
-                  <a:srgbClr val="3F6E74"/>
-                </a:solidFill>
-                <a:latin typeface="Menlo"/>
-                <a:ea typeface="Menlo"/>
-                <a:cs typeface="Menlo"/>
-                <a:sym typeface="Menlo"/>
+              <a:defRPr b="0" sz="1100">
+                <a:solidFill>
+                  <a:srgbClr val="5C2699"/>
+                </a:solidFill>
+                <a:latin typeface="Arial"/>
+                <a:ea typeface="Arial"/>
+                <a:cs typeface="Arial"/>
+                <a:sym typeface="Arial"/>
               </a:defRPr>
             </a:pPr>
             <a:r>
@@ -37756,9 +37755,9 @@
             </a:endParaRPr>
           </a:p>
           <a:p>
-            <a:pPr marL="457200" indent="-317500" defTabSz="457200">
+            <a:pPr marL="527755" indent="-388055" defTabSz="457200">
               <a:lnSpc>
-                <a:spcPts val="3300"/>
+                <a:spcPts val="1700"/>
               </a:lnSpc>
               <a:spcBef>
                 <a:spcPts val="0"/>
@@ -37769,14 +37768,14 @@
               <a:buSzPct val="100000"/>
               <a:buFont typeface="Menlo"/>
               <a:buChar char="•"/>
-              <a:defRPr b="0" sz="900">
-                <a:solidFill>
-                  <a:srgbClr val="3F6E74"/>
-                </a:solidFill>
-                <a:latin typeface="Menlo"/>
-                <a:ea typeface="Menlo"/>
-                <a:cs typeface="Menlo"/>
-                <a:sym typeface="Menlo"/>
+              <a:defRPr b="0" sz="1100">
+                <a:solidFill>
+                  <a:srgbClr val="5C2699"/>
+                </a:solidFill>
+                <a:latin typeface="Arial"/>
+                <a:ea typeface="Arial"/>
+                <a:cs typeface="Arial"/>
+                <a:sym typeface="Arial"/>
               </a:defRPr>
             </a:pPr>
             <a:r>
@@ -37811,9 +37810,9 @@
             </a:endParaRPr>
           </a:p>
           <a:p>
-            <a:pPr marL="457200" indent="-317500" defTabSz="457200">
+            <a:pPr marL="527755" indent="-388055" defTabSz="457200">
               <a:lnSpc>
-                <a:spcPts val="3300"/>
+                <a:spcPts val="1700"/>
               </a:lnSpc>
               <a:spcBef>
                 <a:spcPts val="0"/>
@@ -37824,14 +37823,14 @@
               <a:buSzPct val="100000"/>
               <a:buFont typeface="Menlo"/>
               <a:buChar char="•"/>
-              <a:defRPr b="0" sz="900">
-                <a:solidFill>
-                  <a:srgbClr val="3F6E74"/>
-                </a:solidFill>
-                <a:latin typeface="Menlo"/>
-                <a:ea typeface="Menlo"/>
-                <a:cs typeface="Menlo"/>
-                <a:sym typeface="Menlo"/>
+              <a:defRPr b="0" sz="1100">
+                <a:solidFill>
+                  <a:srgbClr val="5C2699"/>
+                </a:solidFill>
+                <a:latin typeface="Arial"/>
+                <a:ea typeface="Arial"/>
+                <a:cs typeface="Arial"/>
+                <a:sym typeface="Arial"/>
               </a:defRPr>
             </a:pPr>
             <a:r>
@@ -37871,9 +37870,9 @@
             </a:endParaRPr>
           </a:p>
           <a:p>
-            <a:pPr marL="457200" indent="-317500" defTabSz="457200">
+            <a:pPr marL="527755" indent="-388055" defTabSz="457200">
               <a:lnSpc>
-                <a:spcPts val="3300"/>
+                <a:spcPts val="1700"/>
               </a:lnSpc>
               <a:spcBef>
                 <a:spcPts val="0"/>
@@ -37884,14 +37883,14 @@
               <a:buSzPct val="100000"/>
               <a:buFont typeface="Menlo"/>
               <a:buChar char="•"/>
-              <a:defRPr b="0" sz="900">
-                <a:solidFill>
-                  <a:srgbClr val="3F6E74"/>
-                </a:solidFill>
-                <a:latin typeface="Menlo"/>
-                <a:ea typeface="Menlo"/>
-                <a:cs typeface="Menlo"/>
-                <a:sym typeface="Menlo"/>
+              <a:defRPr b="0" sz="1100">
+                <a:solidFill>
+                  <a:srgbClr val="5C2699"/>
+                </a:solidFill>
+                <a:latin typeface="Arial"/>
+                <a:ea typeface="Arial"/>
+                <a:cs typeface="Arial"/>
+                <a:sym typeface="Arial"/>
               </a:defRPr>
             </a:pPr>
             <a:r>
@@ -37931,9 +37930,9 @@
             </a:endParaRPr>
           </a:p>
           <a:p>
-            <a:pPr marL="457200" indent="-317500" defTabSz="457200">
+            <a:pPr marL="527755" indent="-388055" defTabSz="457200">
               <a:lnSpc>
-                <a:spcPts val="3300"/>
+                <a:spcPts val="1700"/>
               </a:lnSpc>
               <a:spcBef>
                 <a:spcPts val="0"/>
@@ -37944,14 +37943,14 @@
               <a:buSzPct val="100000"/>
               <a:buFont typeface="Menlo"/>
               <a:buChar char="•"/>
-              <a:defRPr b="0" sz="900">
-                <a:solidFill>
-                  <a:srgbClr val="3F6E74"/>
-                </a:solidFill>
-                <a:latin typeface="Menlo"/>
-                <a:ea typeface="Menlo"/>
-                <a:cs typeface="Menlo"/>
-                <a:sym typeface="Menlo"/>
+              <a:defRPr b="0" sz="1100">
+                <a:solidFill>
+                  <a:srgbClr val="5C2699"/>
+                </a:solidFill>
+                <a:latin typeface="Arial"/>
+                <a:ea typeface="Arial"/>
+                <a:cs typeface="Arial"/>
+                <a:sym typeface="Arial"/>
               </a:defRPr>
             </a:pPr>
             <a:r>
@@ -37995,8 +37994,8 @@
         </p:nvSpPr>
         <p:spPr>
           <a:xfrm>
-            <a:off x="916325" y="2977733"/>
-            <a:ext cx="2625773" cy="383541"/>
+            <a:off x="900580" y="2631334"/>
+            <a:ext cx="2613413" cy="509666"/>
           </a:xfrm>
           <a:prstGeom prst="rect">
             <a:avLst/>
@@ -38016,9 +38015,9 @@
           </a:bodyPr>
           <a:lstStyle/>
           <a:p>
-            <a:pPr marL="457200" indent="-317500" defTabSz="457200">
+            <a:pPr marL="527755" indent="-388055" defTabSz="457200">
               <a:lnSpc>
-                <a:spcPts val="2300"/>
+                <a:spcPts val="1700"/>
               </a:lnSpc>
               <a:spcBef>
                 <a:spcPts val="0"/>
@@ -38029,14 +38028,14 @@
               <a:buSzPct val="100000"/>
               <a:buFont typeface="Menlo"/>
               <a:buChar char="•"/>
-              <a:defRPr b="0" sz="900">
-                <a:solidFill>
-                  <a:srgbClr val="3F6E74"/>
-                </a:solidFill>
-                <a:latin typeface="Menlo"/>
-                <a:ea typeface="Menlo"/>
-                <a:cs typeface="Menlo"/>
-                <a:sym typeface="Menlo"/>
+              <a:defRPr b="0" sz="1100">
+                <a:solidFill>
+                  <a:srgbClr val="5C2699"/>
+                </a:solidFill>
+                <a:latin typeface="Arial"/>
+                <a:ea typeface="Arial"/>
+                <a:cs typeface="Arial"/>
+                <a:sym typeface="Arial"/>
               </a:defRPr>
             </a:pPr>
             <a:r>
@@ -38076,9 +38075,9 @@
             </a:endParaRPr>
           </a:p>
           <a:p>
-            <a:pPr marL="457200" indent="-317500" defTabSz="457200">
+            <a:pPr marL="527755" indent="-388055" defTabSz="457200">
               <a:lnSpc>
-                <a:spcPts val="2300"/>
+                <a:spcPts val="1700"/>
               </a:lnSpc>
               <a:spcBef>
                 <a:spcPts val="0"/>
@@ -38089,14 +38088,14 @@
               <a:buSzPct val="100000"/>
               <a:buFont typeface="Menlo"/>
               <a:buChar char="•"/>
-              <a:defRPr b="0" sz="900">
-                <a:solidFill>
-                  <a:srgbClr val="3F6E74"/>
-                </a:solidFill>
-                <a:latin typeface="Menlo"/>
-                <a:ea typeface="Menlo"/>
-                <a:cs typeface="Menlo"/>
-                <a:sym typeface="Menlo"/>
+              <a:defRPr b="0" sz="1100">
+                <a:solidFill>
+                  <a:srgbClr val="5C2699"/>
+                </a:solidFill>
+                <a:latin typeface="Arial"/>
+                <a:ea typeface="Arial"/>
+                <a:cs typeface="Arial"/>
+                <a:sym typeface="Arial"/>
               </a:defRPr>
             </a:pPr>
             <a:r>
@@ -38140,8 +38139,8 @@
         </p:nvSpPr>
         <p:spPr>
           <a:xfrm>
-            <a:off x="920586" y="3626183"/>
-            <a:ext cx="5722421" cy="548641"/>
+            <a:off x="904841" y="3308139"/>
+            <a:ext cx="5262869" cy="509666"/>
           </a:xfrm>
           <a:prstGeom prst="rect">
             <a:avLst/>
@@ -38161,9 +38160,9 @@
           </a:bodyPr>
           <a:lstStyle/>
           <a:p>
-            <a:pPr marL="457200" indent="-317500" defTabSz="457200">
+            <a:pPr marL="527755" indent="-388055" defTabSz="457200">
               <a:lnSpc>
-                <a:spcPts val="2300"/>
+                <a:spcPts val="1700"/>
               </a:lnSpc>
               <a:spcBef>
                 <a:spcPts val="0"/>
@@ -38174,14 +38173,14 @@
               <a:buSzPct val="100000"/>
               <a:buFont typeface="Menlo"/>
               <a:buChar char="•"/>
-              <a:defRPr b="0" sz="900">
-                <a:solidFill>
-                  <a:srgbClr val="C41A16"/>
-                </a:solidFill>
-                <a:latin typeface="Menlo"/>
-                <a:ea typeface="Menlo"/>
-                <a:cs typeface="Menlo"/>
-                <a:sym typeface="Menlo"/>
+              <a:defRPr b="0" sz="1100">
+                <a:solidFill>
+                  <a:srgbClr val="5C2699"/>
+                </a:solidFill>
+                <a:latin typeface="Arial"/>
+                <a:ea typeface="Arial"/>
+                <a:cs typeface="Arial"/>
+                <a:sym typeface="Arial"/>
               </a:defRPr>
             </a:pPr>
             <a:r>
@@ -38261,9 +38260,9 @@
             </a:endParaRPr>
           </a:p>
           <a:p>
-            <a:pPr marL="457200" indent="-317500" defTabSz="457200">
+            <a:pPr marL="527755" indent="-388055" defTabSz="457200">
               <a:lnSpc>
-                <a:spcPts val="2300"/>
+                <a:spcPts val="1700"/>
               </a:lnSpc>
               <a:spcBef>
                 <a:spcPts val="0"/>
@@ -38274,24 +38273,19 @@
               <a:buSzPct val="100000"/>
               <a:buFont typeface="Menlo"/>
               <a:buChar char="•"/>
-              <a:defRPr b="0" sz="900">
-                <a:solidFill>
-                  <a:srgbClr val="007400"/>
-                </a:solidFill>
-                <a:latin typeface="Menlo"/>
-                <a:ea typeface="Menlo"/>
-                <a:cs typeface="Menlo"/>
-                <a:sym typeface="Menlo"/>
+              <a:defRPr b="0" sz="1100">
+                <a:solidFill>
+                  <a:srgbClr val="5C2699"/>
+                </a:solidFill>
+                <a:latin typeface="Arial"/>
+                <a:ea typeface="Arial"/>
+                <a:cs typeface="Arial"/>
+                <a:sym typeface="Arial"/>
               </a:defRPr>
             </a:pPr>
             <a:r>
               <a:t>// Prints "The frameRate property of tenEighty is now 30.0"</a:t>
             </a:r>
-            <a:endParaRPr>
-              <a:solidFill>
-                <a:srgbClr val="333333"/>
-              </a:solidFill>
-            </a:endParaRPr>
           </a:p>
         </p:txBody>
       </p:sp>
